--- a/powerponto.pptx
+++ b/powerponto.pptx
@@ -32031,8 +32031,8 @@
         </p:nvSpPr>
         <p:spPr>
           <a:xfrm>
-            <a:off x="7088649" y="424836"/>
-            <a:ext cx="4945598" cy="1243584"/>
+            <a:off x="7088649" y="811170"/>
+            <a:ext cx="4945598" cy="857250"/>
           </a:xfrm>
         </p:spPr>
         <p:txBody>
@@ -32079,7 +32079,7 @@
         </p:blipFill>
         <p:spPr bwMode="auto">
           <a:xfrm>
-            <a:off x="1960498" y="1668420"/>
+            <a:off x="613391" y="811170"/>
             <a:ext cx="4762500" cy="3609976"/>
           </a:xfrm>
           <a:prstGeom prst="rect">
@@ -32119,12 +32119,99 @@
         </p:blipFill>
         <p:spPr>
           <a:xfrm>
-            <a:off x="8333338" y="5667523"/>
+            <a:off x="9035467" y="5594044"/>
             <a:ext cx="2456219" cy="848637"/>
           </a:xfrm>
           <a:prstGeom prst="rect">
             <a:avLst/>
           </a:prstGeom>
+        </p:spPr>
+      </p:pic>
+      <p:sp>
+        <p:nvSpPr>
+          <p:cNvPr id="3" name="Retângulo 2"/>
+          <p:cNvSpPr/>
+          <p:nvPr/>
+        </p:nvSpPr>
+        <p:spPr>
+          <a:xfrm>
+            <a:off x="1486969" y="5833696"/>
+            <a:ext cx="4895892" cy="369332"/>
+          </a:xfrm>
+          <a:prstGeom prst="rect">
+            <a:avLst/>
+          </a:prstGeom>
+          <a:solidFill>
+            <a:schemeClr val="tx1"/>
+          </a:solidFill>
+        </p:spPr>
+        <p:txBody>
+          <a:bodyPr wrap="none">
+            <a:spAutoFit/>
+          </a:bodyPr>
+          <a:lstStyle/>
+          <a:p>
+            <a:r>
+              <a:rPr lang="pt-BR" dirty="0" smtClean="0">
+                <a:hlinkClick r:id="rId5"/>
+              </a:rPr>
+              <a:t>github.com/</a:t>
+            </a:r>
+            <a:r>
+              <a:rPr lang="pt-BR" dirty="0" err="1" smtClean="0">
+                <a:hlinkClick r:id="rId5"/>
+              </a:rPr>
+              <a:t>VicenzoMartinelli</a:t>
+            </a:r>
+            <a:r>
+              <a:rPr lang="pt-BR" dirty="0" smtClean="0">
+                <a:hlinkClick r:id="rId5"/>
+              </a:rPr>
+              <a:t>/summit-sp-1</a:t>
+            </a:r>
+            <a:endParaRPr lang="pt-BR" dirty="0"/>
+          </a:p>
+        </p:txBody>
+      </p:sp>
+      <p:pic>
+        <p:nvPicPr>
+          <p:cNvPr id="1026" name="Picture 2" descr="Resultado de imagem para github icon"/>
+          <p:cNvPicPr>
+            <a:picLocks noChangeAspect="1" noChangeArrowheads="1"/>
+          </p:cNvPicPr>
+          <p:nvPr/>
+        </p:nvPicPr>
+        <p:blipFill>
+          <a:blip r:embed="rId6">
+            <a:extLst>
+              <a:ext uri="{28A0092B-C50C-407E-A947-70E740481C1C}">
+                <a14:useLocalDpi xmlns:a14="http://schemas.microsoft.com/office/drawing/2010/main" val="0"/>
+              </a:ext>
+            </a:extLst>
+          </a:blip>
+          <a:srcRect/>
+          <a:stretch>
+            <a:fillRect/>
+          </a:stretch>
+        </p:blipFill>
+        <p:spPr bwMode="auto">
+          <a:xfrm>
+            <a:off x="613391" y="5631242"/>
+            <a:ext cx="811439" cy="811439"/>
+          </a:xfrm>
+          <a:prstGeom prst="rect">
+            <a:avLst/>
+          </a:prstGeom>
+          <a:noFill/>
+          <a:extLst>
+            <a:ext uri="{909E8E84-426E-40DD-AFC4-6F175D3DCCD1}">
+              <a14:hiddenFill xmlns:a14="http://schemas.microsoft.com/office/drawing/2010/main">
+                <a:solidFill>
+                  <a:srgbClr val="FFFFFF"/>
+                </a:solidFill>
+              </a14:hiddenFill>
+            </a:ext>
+          </a:extLst>
         </p:spPr>
       </p:pic>
     </p:spTree>
@@ -36818,15 +36905,6 @@
 </file>
 
 <file path=customXml/item1.xml><?xml version="1.0" encoding="utf-8"?>
-<p:properties xmlns:p="http://schemas.microsoft.com/office/2006/metadata/properties" xmlns:xsi="http://www.w3.org/2001/XMLSchema-instance" xmlns:pc="http://schemas.microsoft.com/office/infopath/2007/PartnerControls">
-  <documentManagement>
-    <_ip_UnifiedCompliancePolicyUIAction xmlns="http://schemas.microsoft.com/sharepoint/v3" xsi:nil="true"/>
-    <_ip_UnifiedCompliancePolicyProperties xmlns="http://schemas.microsoft.com/sharepoint/v3" xsi:nil="true"/>
-  </documentManagement>
-</p:properties>
-</file>
-
-<file path=customXml/item2.xml><?xml version="1.0" encoding="utf-8"?>
 <ct:contentTypeSchema xmlns:ct="http://schemas.microsoft.com/office/2006/metadata/contentType" xmlns:ma="http://schemas.microsoft.com/office/2006/metadata/properties/metaAttributes" ct:_="" ma:_="" ma:contentTypeName="Document" ma:contentTypeID="0x010100DEEA25CC0A0AC24199CDC46C25B8B0BC" ma:contentTypeVersion="10" ma:contentTypeDescription="Create a new document." ma:contentTypeScope="" ma:versionID="e3b47856d4cf355c0dacb39e1084d14f">
   <xsd:schema xmlns:xsd="http://www.w3.org/2001/XMLSchema" xmlns:xs="http://www.w3.org/2001/XMLSchema" xmlns:p="http://schemas.microsoft.com/office/2006/metadata/properties" xmlns:ns1="http://schemas.microsoft.com/sharepoint/v3" xmlns:ns2="6dc4bcd6-49db-4c07-9060-8acfc67cef9f" xmlns:ns3="fb0879af-3eba-417a-a55a-ffe6dcd6ca77" targetNamespace="http://schemas.microsoft.com/office/2006/metadata/properties" ma:root="true" ma:fieldsID="a845a615265fdb1f7b12cc65ac20ecbd" ns1:_="" ns2:_="" ns3:_="">
     <xsd:import namespace="http://schemas.microsoft.com/sharepoint/v3"/>
@@ -37034,6 +37112,15 @@
 </ct:contentTypeSchema>
 </file>
 
+<file path=customXml/item2.xml><?xml version="1.0" encoding="utf-8"?>
+<p:properties xmlns:p="http://schemas.microsoft.com/office/2006/metadata/properties" xmlns:xsi="http://www.w3.org/2001/XMLSchema-instance" xmlns:pc="http://schemas.microsoft.com/office/infopath/2007/PartnerControls">
+  <documentManagement>
+    <_ip_UnifiedCompliancePolicyUIAction xmlns="http://schemas.microsoft.com/sharepoint/v3" xsi:nil="true"/>
+    <_ip_UnifiedCompliancePolicyProperties xmlns="http://schemas.microsoft.com/sharepoint/v3" xsi:nil="true"/>
+  </documentManagement>
+</p:properties>
+</file>
+
 <file path=customXml/item3.xml><?xml version="1.0" encoding="utf-8"?>
 <?mso-contentType ?>
 <FormTemplates xmlns="http://schemas.microsoft.com/sharepoint/v3/contenttype/forms">
@@ -37044,24 +37131,6 @@
 </file>
 
 <file path=customXml/itemProps1.xml><?xml version="1.0" encoding="utf-8"?>
-<ds:datastoreItem xmlns:ds="http://schemas.openxmlformats.org/officeDocument/2006/customXml" ds:itemID="{F8992231-163D-4428-A2B8-DA1FE0274129}">
-  <ds:schemaRefs>
-    <ds:schemaRef ds:uri="http://www.w3.org/XML/1998/namespace"/>
-    <ds:schemaRef ds:uri="http://purl.org/dc/elements/1.1/"/>
-    <ds:schemaRef ds:uri="http://schemas.microsoft.com/office/2006/documentManagement/types"/>
-    <ds:schemaRef ds:uri="6dc4bcd6-49db-4c07-9060-8acfc67cef9f"/>
-    <ds:schemaRef ds:uri="http://purl.org/dc/dcmitype/"/>
-    <ds:schemaRef ds:uri="http://schemas.microsoft.com/sharepoint/v3"/>
-    <ds:schemaRef ds:uri="http://schemas.microsoft.com/office/2006/metadata/properties"/>
-    <ds:schemaRef ds:uri="http://purl.org/dc/terms/"/>
-    <ds:schemaRef ds:uri="http://schemas.microsoft.com/office/infopath/2007/PartnerControls"/>
-    <ds:schemaRef ds:uri="http://schemas.openxmlformats.org/package/2006/metadata/core-properties"/>
-    <ds:schemaRef ds:uri="fb0879af-3eba-417a-a55a-ffe6dcd6ca77"/>
-  </ds:schemaRefs>
-</ds:datastoreItem>
-</file>
-
-<file path=customXml/itemProps2.xml><?xml version="1.0" encoding="utf-8"?>
 <ds:datastoreItem xmlns:ds="http://schemas.openxmlformats.org/officeDocument/2006/customXml" ds:itemID="{6B67ACAB-C3DC-429D-A23C-0723C084FEE5}">
   <ds:schemaRefs>
     <ds:schemaRef ds:uri="http://schemas.microsoft.com/office/2006/metadata/contentType"/>
@@ -37081,6 +37150,24 @@
 </ds:datastoreItem>
 </file>
 
+<file path=customXml/itemProps2.xml><?xml version="1.0" encoding="utf-8"?>
+<ds:datastoreItem xmlns:ds="http://schemas.openxmlformats.org/officeDocument/2006/customXml" ds:itemID="{F8992231-163D-4428-A2B8-DA1FE0274129}">
+  <ds:schemaRefs>
+    <ds:schemaRef ds:uri="http://www.w3.org/XML/1998/namespace"/>
+    <ds:schemaRef ds:uri="http://purl.org/dc/elements/1.1/"/>
+    <ds:schemaRef ds:uri="http://schemas.microsoft.com/office/2006/documentManagement/types"/>
+    <ds:schemaRef ds:uri="6dc4bcd6-49db-4c07-9060-8acfc67cef9f"/>
+    <ds:schemaRef ds:uri="http://purl.org/dc/dcmitype/"/>
+    <ds:schemaRef ds:uri="http://schemas.microsoft.com/sharepoint/v3"/>
+    <ds:schemaRef ds:uri="http://schemas.microsoft.com/office/2006/metadata/properties"/>
+    <ds:schemaRef ds:uri="http://purl.org/dc/terms/"/>
+    <ds:schemaRef ds:uri="http://schemas.microsoft.com/office/infopath/2007/PartnerControls"/>
+    <ds:schemaRef ds:uri="http://schemas.openxmlformats.org/package/2006/metadata/core-properties"/>
+    <ds:schemaRef ds:uri="fb0879af-3eba-417a-a55a-ffe6dcd6ca77"/>
+  </ds:schemaRefs>
+</ds:datastoreItem>
+</file>
+
 <file path=customXml/itemProps3.xml><?xml version="1.0" encoding="utf-8"?>
 <ds:datastoreItem xmlns:ds="http://schemas.openxmlformats.org/officeDocument/2006/customXml" ds:itemID="{8A95DE24-D6C3-4A00-9085-D9594C193AE1}">
   <ds:schemaRefs>
